--- a/poster/poster_german.pptx
+++ b/poster/poster_german.pptx
@@ -4048,7 +4048,7 @@
         </p:nvSpPr>
         <p:spPr bwMode="auto">
           <a:xfrm>
-            <a:off x="4170575" y="2816225"/>
+            <a:off x="4170575" y="2625725"/>
             <a:ext cx="10561425" cy="2397254"/>
           </a:xfrm>
           <a:prstGeom prst="rect">
@@ -4228,7 +4228,7 @@
                 </a:solidFill>
                 <a:latin typeface="MetaNormal-Roman" pitchFamily="34" charset="0"/>
               </a:rPr>
-              <a:t>Internetnutzer sind einem ständigen Risiko ausgesetzt, da Sicherheitsbrüche fast täglich auftreten. Im Rahmen dieser Masterarbeit werden verschiedene Methoden der Authentifizierung und Multi-Faktor Authentifizierungen (MFA), insbesondere Einmalpasswörter und Sicherheitsschlüssel, mit Fokus auf ihre Sicherheit vorgestellt und evaluiert. Weiterhin wird die Web </a:t>
+              <a:t>Internetnutzer sind einem ständigen Risiko ausgesetzt, da Sicherheitsbrüche fast täglich auftreten. Um dieser Bedrohung entgegenzuwirken, muss der Nutzer zusätzliche Sicherheitsmaßnahmen einsetzen. Im Rahmen dieser Masterarbeit werden verschiedene Methoden der Authentifizierung und Multi-Faktor Authentifizierungen (MFA), z. B. Einmalpasswörter und Sicherheitsschlüssel, mit Fokus auf ihre Sicherheit vorgestellt und evaluiert. Weiterhin wird die Web </a:t>
             </a:r>
             <a:r>
               <a:rPr lang="de-DE" altLang="de-DE" sz="2400" dirty="0" err="1">
@@ -4246,7 +4246,7 @@
                 </a:solidFill>
                 <a:latin typeface="MetaNormal-Roman" pitchFamily="34" charset="0"/>
               </a:rPr>
-              <a:t> API erläutert und mit den o. g. Multi-Faktor-Authentifizierungen verglichen. Es soll die Frage geklärt werden, ob die Web </a:t>
+              <a:t> API erläutert und mit den o. g. MFAs verglichen. Es soll die Frage geklärt werden, ob die Web </a:t>
             </a:r>
             <a:r>
               <a:rPr lang="de-DE" altLang="de-DE" sz="2400" dirty="0" err="1">
@@ -5759,7 +5759,7 @@
                 </a:solidFill>
                 <a:latin typeface="MetaNormal-Roman" pitchFamily="34" charset="0"/>
               </a:rPr>
-              <a:t>Die am häufigsten verwendete Methode von MFA neben dem Passwort ist der Besitz des „</a:t>
+              <a:t>Die am häufigsten verwendete Methode von MFA zusammen mit dem Passwort ist der Besitz des „</a:t>
             </a:r>
             <a:r>
               <a:rPr lang="de-DE" altLang="de-DE" sz="2400" dirty="0" err="1">
@@ -5786,7 +5786,7 @@
                 </a:solidFill>
                 <a:latin typeface="MetaNormal-Roman" pitchFamily="34" charset="0"/>
               </a:rPr>
-              <a:t>Secrerts</a:t>
+              <a:t>Secrets</a:t>
             </a:r>
             <a:r>
               <a:rPr lang="de-DE" altLang="de-DE" sz="2400" dirty="0">
@@ -5813,14 +5813,6 @@
                 <a:latin typeface="MetaNormal-Roman" pitchFamily="34" charset="0"/>
               </a:rPr>
             </a:br>
-            <a:br>
-              <a:rPr lang="de-DE" altLang="de-DE" sz="2400" dirty="0">
-                <a:solidFill>
-                  <a:schemeClr val="tx1"/>
-                </a:solidFill>
-                <a:latin typeface="MetaNormal-Roman" pitchFamily="34" charset="0"/>
-              </a:rPr>
-            </a:br>
             <a:r>
               <a:rPr lang="de-DE" altLang="de-DE" sz="2400" dirty="0">
                 <a:solidFill>
@@ -5878,7 +5870,7 @@
                 </a:solidFill>
                 <a:latin typeface="MetaBold-Roman" pitchFamily="34" charset="0"/>
               </a:rPr>
-              <a:t>Attacken</a:t>
+              <a:t>Attacken.</a:t>
             </a:r>
           </a:p>
         </p:txBody>
@@ -5899,8 +5891,8 @@
         </p:nvSpPr>
         <p:spPr bwMode="auto">
           <a:xfrm>
-            <a:off x="9464676" y="7752354"/>
-            <a:ext cx="5440362" cy="4350866"/>
+            <a:off x="9464675" y="7658977"/>
+            <a:ext cx="5440362" cy="4662376"/>
           </a:xfrm>
           <a:prstGeom prst="rect">
             <a:avLst/>
@@ -6154,42 +6146,7 @@
                 </a:solidFill>
                 <a:latin typeface="MetaNormal-Roman" pitchFamily="34" charset="0"/>
               </a:rPr>
-              <a:t> ist eine gemeinsame Entwicklung von der </a:t>
-            </a:r>
-            <a:r>
-              <a:rPr lang="de-DE" altLang="de-DE" sz="2400">
-                <a:solidFill>
-                  <a:schemeClr val="tx1"/>
-                </a:solidFill>
-                <a:latin typeface="MetaNormal-Roman" pitchFamily="34" charset="0"/>
-              </a:rPr>
-              <a:t>FIDO Allianz </a:t>
-            </a:r>
-            <a:r>
-              <a:rPr lang="de-DE" altLang="de-DE" sz="2400" dirty="0">
-                <a:solidFill>
-                  <a:schemeClr val="tx1"/>
-                </a:solidFill>
-                <a:latin typeface="MetaNormal-Roman" pitchFamily="34" charset="0"/>
-              </a:rPr>
-              <a:t>und des W3Cs und eine Weiterentwicklung des U2F Protokolls.</a:t>
-            </a:r>
-            <a:br>
-              <a:rPr lang="de-DE" altLang="de-DE" sz="2400" dirty="0">
-                <a:solidFill>
-                  <a:schemeClr val="tx1"/>
-                </a:solidFill>
-                <a:latin typeface="MetaNormal-Roman" pitchFamily="34" charset="0"/>
-              </a:rPr>
-            </a:br>
-            <a:r>
-              <a:rPr lang="de-DE" altLang="de-DE" sz="2400" dirty="0">
-                <a:solidFill>
-                  <a:schemeClr val="tx1"/>
-                </a:solidFill>
-                <a:latin typeface="MetaNormal-Roman" pitchFamily="34" charset="0"/>
-              </a:rPr>
-              <a:t>Im Vergleich zu anderen MFA Lösungen, bietet die API Schutz gegen Phishing Attacken und lässt dem Nutzer die Wahl über den verwendeten „</a:t>
+              <a:t> ist eine gemeinsame Entwicklung von der FIDO Allianz und des W3Cs und eine Weiterentwicklung des U2F Protokolls und basiert auf der Public-Key Authentifizierung. Im Vergleich zu anderen MFA Lösungen, bietet die API Schutz gegen Phishing Attacken und lässt dem Nutzer die Wahl über den verwendeten „</a:t>
             </a:r>
             <a:r>
               <a:rPr lang="de-DE" altLang="de-DE" sz="2400" dirty="0" err="1">
@@ -6354,7 +6311,7 @@
               <a:rPr lang="de-DE" altLang="de-DE" sz="2400" dirty="0">
                 <a:latin typeface="MetaNormal-Roman" pitchFamily="34" charset="0"/>
               </a:rPr>
-              <a:t> API das Potenzial, Passwörter zu ersetzen. Sie ist aber für den Endverbraucher aktuell noch nicht ausreichend nutzbar, da die API noch nicht in allen Betriebssystem umfassend unterstützt wird.</a:t>
+              <a:t> API das Potenzial, Passwörter zu ersetzen. Sie ist aber für den Endverbraucher aktuell noch nicht ausreichend nutzbar, da die API noch nicht in allen Betriebssystem und Webbrowsern umfassend unterstützt wird.</a:t>
             </a:r>
             <a:endParaRPr lang="de-DE" sz="2400" dirty="0"/>
           </a:p>
@@ -6382,7 +6339,7 @@
         </p:blipFill>
         <p:spPr>
           <a:xfrm>
-            <a:off x="4115711" y="5331748"/>
+            <a:off x="4077611" y="5307598"/>
             <a:ext cx="7878615" cy="3180447"/>
           </a:xfrm>
           <a:prstGeom prst="rect">
@@ -6405,7 +6362,7 @@
         <p:spPr>
           <a:xfrm>
             <a:off x="217488" y="18951133"/>
-            <a:ext cx="6591869" cy="646331"/>
+            <a:ext cx="6664004" cy="923330"/>
           </a:xfrm>
           <a:prstGeom prst="rect">
             <a:avLst/>
@@ -6441,8 +6398,35 @@
                   <a:schemeClr val="bg2"/>
                 </a:solidFill>
                 <a:latin typeface="Meta Normal Roman" panose="02000506050000020004" pitchFamily="2" charset="77"/>
+                <a:hlinkClick r:id="rId6"/>
               </a:rPr>
               <a:t>https://www.w3.org/2018/04/pressrelease-webauthn-fido2.html</a:t>
+            </a:r>
+            <a:r>
+              <a:rPr lang="de-DE" sz="1800" dirty="0">
+                <a:solidFill>
+                  <a:schemeClr val="bg2"/>
+                </a:solidFill>
+                <a:latin typeface="Meta Normal Roman" panose="02000506050000020004" pitchFamily="2" charset="77"/>
+              </a:rPr>
+              <a:t>;</a:t>
+            </a:r>
+            <a:br>
+              <a:rPr lang="de-DE" sz="1800" dirty="0">
+                <a:solidFill>
+                  <a:schemeClr val="bg2"/>
+                </a:solidFill>
+                <a:latin typeface="Meta Normal Roman" panose="02000506050000020004" pitchFamily="2" charset="77"/>
+              </a:rPr>
+            </a:br>
+            <a:r>
+              <a:rPr lang="de-DE" sz="1800" dirty="0">
+                <a:solidFill>
+                  <a:schemeClr val="bg2"/>
+                </a:solidFill>
+                <a:latin typeface="Meta Normal Roman" panose="02000506050000020004" pitchFamily="2" charset="77"/>
+              </a:rPr>
+              <a:t>letzter Zugriff am 03.11.2019</a:t>
             </a:r>
           </a:p>
         </p:txBody>
@@ -6462,7 +6446,7 @@
           <p:nvPr/>
         </p:nvPicPr>
         <p:blipFill>
-          <a:blip r:embed="rId6"/>
+          <a:blip r:embed="rId7"/>
           <a:srcRect/>
           <a:stretch/>
         </p:blipFill>
@@ -6478,7 +6462,7 @@
       </p:pic>
       <mc:AlternateContent xmlns:mc="http://schemas.openxmlformats.org/markup-compatibility/2006" xmlns:p14="http://schemas.microsoft.com/office/powerpoint/2010/main">
         <mc:Choice Requires="p14">
-          <p:contentPart p14:bwMode="auto" r:id="rId7">
+          <p:contentPart p14:bwMode="auto" r:id="rId8">
             <p14:nvContentPartPr>
               <p14:cNvPr id="17" name="Ink 16">
                 <a:extLst>
@@ -6510,7 +6494,7 @@
               <p:nvPr/>
             </p:nvPicPr>
             <p:blipFill>
-              <a:blip r:embed="rId8"/>
+              <a:blip r:embed="rId9"/>
               <a:stretch>
                 <a:fillRect/>
               </a:stretch>
